--- a/.gitbook/assets/chapter-04-2-kor.pptx
+++ b/.gitbook/assets/chapter-04-2-kor.pptx
@@ -196,7 +196,7 @@
 <file path=ppt/revisionInfo.xml><?xml version="1.0" encoding="utf-8"?>
 <p1510:revInfo xmlns:a="http://schemas.openxmlformats.org/drawingml/2006/main" xmlns:r="http://schemas.openxmlformats.org/officeDocument/2006/relationships" xmlns:p1510="http://schemas.microsoft.com/office/powerpoint/2015/10/main">
   <p1510:revLst>
-    <p1510:client id="{A1D61FF2-725A-4D43-9987-2CBDFC30122F}" v="16" dt="2020-01-07T23:35:39.395"/>
+    <p1510:client id="{A1D61FF2-725A-4D43-9987-2CBDFC30122F}" v="17" dt="2020-01-07T23:41:34.018"/>
   </p1510:revLst>
 </p1510:revInfo>
 </file>
@@ -206,7 +206,7 @@
   <pc:docChgLst>
     <pc:chgData name=" " userId="1decf387-3a62-48e1-8264-95221a86067c" providerId="ADAL" clId="{A1D61FF2-725A-4D43-9987-2CBDFC30122F}"/>
     <pc:docChg chg="custSel delSld modSld">
-      <pc:chgData name=" " userId="1decf387-3a62-48e1-8264-95221a86067c" providerId="ADAL" clId="{A1D61FF2-725A-4D43-9987-2CBDFC30122F}" dt="2020-01-07T23:38:27.235" v="93" actId="6549"/>
+      <pc:chgData name=" " userId="1decf387-3a62-48e1-8264-95221a86067c" providerId="ADAL" clId="{A1D61FF2-725A-4D43-9987-2CBDFC30122F}" dt="2020-01-07T23:41:34.018" v="97"/>
       <pc:docMkLst>
         <pc:docMk/>
       </pc:docMkLst>
@@ -234,7 +234,7 @@
         </pc:spChg>
       </pc:sldChg>
       <pc:sldChg chg="modSp">
-        <pc:chgData name=" " userId="1decf387-3a62-48e1-8264-95221a86067c" providerId="ADAL" clId="{A1D61FF2-725A-4D43-9987-2CBDFC30122F}" dt="2020-01-07T23:37:56.133" v="79" actId="20577"/>
+        <pc:chgData name=" " userId="1decf387-3a62-48e1-8264-95221a86067c" providerId="ADAL" clId="{A1D61FF2-725A-4D43-9987-2CBDFC30122F}" dt="2020-01-07T23:41:34.018" v="97"/>
         <pc:sldMkLst>
           <pc:docMk/>
           <pc:sldMk cId="3079682105" sldId="345"/>
@@ -245,6 +245,14 @@
             <pc:docMk/>
             <pc:sldMk cId="3079682105" sldId="345"/>
             <ac:spMk id="4" creationId="{00000000-0000-0000-0000-000000000000}"/>
+          </ac:spMkLst>
+        </pc:spChg>
+        <pc:spChg chg="mod">
+          <ac:chgData name=" " userId="1decf387-3a62-48e1-8264-95221a86067c" providerId="ADAL" clId="{A1D61FF2-725A-4D43-9987-2CBDFC30122F}" dt="2020-01-07T23:41:34.018" v="97"/>
+          <ac:spMkLst>
+            <pc:docMk/>
+            <pc:sldMk cId="3079682105" sldId="345"/>
+            <ac:spMk id="4098" creationId="{00000000-0000-0000-0000-000000000000}"/>
           </ac:spMkLst>
         </pc:spChg>
       </pc:sldChg>
@@ -805,7 +813,7 @@
               <a:pPr>
                 <a:defRPr/>
               </a:pPr>
-              <a:t>2020-01-08</a:t>
+              <a:t>2020-01-11</a:t>
             </a:fld>
             <a:endParaRPr lang="ko-KR" altLang="en-US"/>
           </a:p>
@@ -1262,36 +1270,6 @@
           </a:p>
         </p:txBody>
       </p:sp>
-      <p:pic>
-        <p:nvPicPr>
-          <p:cNvPr id="8" name="그림 7"/>
-          <p:cNvPicPr>
-            <a:picLocks noChangeAspect="1"/>
-          </p:cNvPicPr>
-          <p:nvPr userDrawn="1"/>
-        </p:nvPicPr>
-        <p:blipFill>
-          <a:blip r:embed="rId2" cstate="print">
-            <a:extLst>
-              <a:ext uri="{28A0092B-C50C-407E-A947-70E740481C1C}">
-                <a14:useLocalDpi xmlns:a14="http://schemas.microsoft.com/office/drawing/2010/main" val="0"/>
-              </a:ext>
-            </a:extLst>
-          </a:blip>
-          <a:stretch>
-            <a:fillRect/>
-          </a:stretch>
-        </p:blipFill>
-        <p:spPr>
-          <a:xfrm>
-            <a:off x="-108520" y="143635"/>
-            <a:ext cx="2255525" cy="1146050"/>
-          </a:xfrm>
-          <a:prstGeom prst="rect">
-            <a:avLst/>
-          </a:prstGeom>
-        </p:spPr>
-      </p:pic>
       <p:sp>
         <p:nvSpPr>
           <p:cNvPr id="71" name="정오각형 70"/>
@@ -2061,7 +2039,7 @@
               <a:pPr>
                 <a:defRPr/>
               </a:pPr>
-              <a:t>Wednesday, January 8, 2020</a:t>
+              <a:t>Saturday, January 11, 2020</a:t>
             </a:fld>
             <a:endParaRPr lang="en-US" dirty="0"/>
           </a:p>
@@ -2254,7 +2232,7 @@
               <a:pPr>
                 <a:defRPr/>
               </a:pPr>
-              <a:t>Wednesday, January 8, 2020</a:t>
+              <a:t>Saturday, January 11, 2020</a:t>
             </a:fld>
             <a:endParaRPr lang="en-US"/>
           </a:p>
@@ -2364,7 +2342,7 @@
               <a:pPr>
                 <a:defRPr/>
               </a:pPr>
-              <a:t>Wednesday, January 8, 2020</a:t>
+              <a:t>Saturday, January 11, 2020</a:t>
             </a:fld>
             <a:endParaRPr lang="en-US" dirty="0"/>
           </a:p>
@@ -2724,7 +2702,7 @@
               <a:pPr>
                 <a:defRPr/>
               </a:pPr>
-              <a:t>Wednesday, January 8, 2020</a:t>
+              <a:t>Saturday, January 11, 2020</a:t>
             </a:fld>
             <a:endParaRPr lang="en-US"/>
           </a:p>
@@ -3024,7 +3002,7 @@
               <a:pPr>
                 <a:defRPr/>
               </a:pPr>
-              <a:t>Wednesday, January 8, 2020</a:t>
+              <a:t>Saturday, January 11, 2020</a:t>
             </a:fld>
             <a:endParaRPr lang="en-US"/>
           </a:p>
@@ -3458,7 +3436,7 @@
               <a:pPr>
                 <a:defRPr/>
               </a:pPr>
-              <a:t>Wednesday, January 8, 2020</a:t>
+              <a:t>Saturday, January 11, 2020</a:t>
             </a:fld>
             <a:endParaRPr lang="en-US"/>
           </a:p>
@@ -3590,7 +3568,7 @@
               <a:pPr>
                 <a:defRPr/>
               </a:pPr>
-              <a:t>Wednesday, January 8, 2020</a:t>
+              <a:t>Saturday, January 11, 2020</a:t>
             </a:fld>
             <a:endParaRPr lang="en-US" dirty="0"/>
           </a:p>
@@ -3700,7 +3678,7 @@
               <a:pPr>
                 <a:defRPr/>
               </a:pPr>
-              <a:t>Wednesday, January 8, 2020</a:t>
+              <a:t>Saturday, January 11, 2020</a:t>
             </a:fld>
             <a:endParaRPr lang="en-US"/>
           </a:p>
@@ -3753,7 +3731,7 @@
               </a:pPr>
               <a:t>‹#›</a:t>
             </a:fld>
-            <a:endParaRPr lang="en-US"/>
+            <a:endParaRPr lang="en-US" dirty="0"/>
           </a:p>
         </p:txBody>
       </p:sp>
@@ -3990,7 +3968,7 @@
               <a:pPr>
                 <a:defRPr/>
               </a:pPr>
-              <a:t>Wednesday, January 8, 2020</a:t>
+              <a:t>Saturday, January 11, 2020</a:t>
             </a:fld>
             <a:endParaRPr lang="en-US" dirty="0"/>
           </a:p>
@@ -4257,7 +4235,7 @@
               <a:pPr>
                 <a:defRPr/>
               </a:pPr>
-              <a:t>Wednesday, January 8, 2020</a:t>
+              <a:t>Saturday, January 11, 2020</a:t>
             </a:fld>
             <a:endParaRPr lang="en-US"/>
           </a:p>
@@ -4550,7 +4528,7 @@
               <a:pPr>
                 <a:defRPr/>
               </a:pPr>
-              <a:t>Wednesday, January 8, 2020</a:t>
+              <a:t>Saturday, January 11, 2020</a:t>
             </a:fld>
             <a:endParaRPr lang="en-US" dirty="0"/>
           </a:p>
@@ -4699,8 +4677,8 @@
         </p:nvSpPr>
         <p:spPr bwMode="auto">
           <a:xfrm>
-            <a:off x="8397425" y="6489340"/>
-            <a:ext cx="569387" cy="261610"/>
+            <a:off x="8365970" y="6452368"/>
+            <a:ext cx="575799" cy="253916"/>
           </a:xfrm>
           <a:prstGeom prst="rect">
             <a:avLst/>
@@ -4845,7 +4823,8 @@
               <a:defRPr/>
             </a:pPr>
             <a:fld id="{F60B237E-1E27-414E-981E-8B20D038C067}" type="slidenum">
-              <a:rPr lang="en-US" altLang="ko-KR" sz="1050" smtClean="0">
+              <a:rPr lang="en-US" altLang="ko-KR" sz="1050" b="1" smtClean="0">
+                <a:effectLst/>
                 <a:latin typeface="+mn-ea"/>
                 <a:ea typeface="+mn-ea"/>
               </a:rPr>
@@ -4855,12 +4834,18 @@
               <a:t>‹#›</a:t>
             </a:fld>
             <a:r>
-              <a:rPr lang="en-US" altLang="ko-KR" sz="1050" dirty="0">
+              <a:rPr lang="en-US" altLang="ko-KR" sz="1050" b="1" dirty="0" smtClean="0">
+                <a:effectLst/>
                 <a:latin typeface="+mn-ea"/>
                 <a:ea typeface="+mn-ea"/>
               </a:rPr>
-              <a:t>/31</a:t>
-            </a:r>
+              <a:t>/11</a:t>
+            </a:r>
+            <a:endParaRPr lang="en-US" altLang="ko-KR" sz="1050" b="1" dirty="0">
+              <a:effectLst/>
+              <a:latin typeface="+mn-ea"/>
+              <a:ea typeface="+mn-ea"/>
+            </a:endParaRPr>
           </a:p>
         </p:txBody>
       </p:sp>
@@ -5189,7 +5174,7 @@
             </a:r>
             <a:r>
               <a:rPr lang="ko-KR" altLang="en-US" dirty="0" err="1"/>
-              <a:t>기댓값</a:t>
+              <a:t>기대값</a:t>
             </a:r>
             <a:endParaRPr lang="ko-KR" altLang="en-US" dirty="0"/>
           </a:p>
@@ -6228,7 +6213,7 @@
           <a:graphicData uri="http://schemas.openxmlformats.org/presentationml/2006/ole">
             <mc:AlternateContent xmlns:mc="http://schemas.openxmlformats.org/markup-compatibility/2006">
               <mc:Choice xmlns:v="urn:schemas-microsoft-com:vml" Requires="v">
-                <p:oleObj spid="_x0000_s4098" name="Equation" r:id="rId5" imgW="2882880" imgH="406080" progId="Equation.DSMT4">
+                <p:oleObj spid="_x0000_s4100" name="Equation" r:id="rId5" imgW="2882880" imgH="406080" progId="Equation.DSMT4">
                   <p:embed/>
                 </p:oleObj>
               </mc:Choice>
@@ -6378,6 +6363,10 @@
               <a:rPr kumimoji="0" lang="ko-KR" altLang="en-US" dirty="0"/>
               <a:t>장</a:t>
             </a:r>
+            <a:r>
+              <a:rPr kumimoji="0" lang="en-US" altLang="ko-KR" dirty="0"/>
+              <a:t/>
+            </a:r>
             <a:br>
               <a:rPr kumimoji="0" lang="en-US" altLang="ko-KR" dirty="0"/>
             </a:br>
@@ -7538,7 +7527,7 @@
           <a:graphicData uri="http://schemas.openxmlformats.org/presentationml/2006/ole">
             <mc:AlternateContent xmlns:mc="http://schemas.openxmlformats.org/markup-compatibility/2006">
               <mc:Choice xmlns:v="urn:schemas-microsoft-com:vml" Requires="v">
-                <p:oleObj spid="_x0000_s1026" name="Equation" r:id="rId6" imgW="2590560" imgH="342720" progId="Equation.DSMT4">
+                <p:oleObj spid="_x0000_s1028" name="Equation" r:id="rId6" imgW="2590560" imgH="342720" progId="Equation.DSMT4">
                   <p:embed/>
                 </p:oleObj>
               </mc:Choice>
@@ -8268,7 +8257,7 @@
           <a:graphicData uri="http://schemas.openxmlformats.org/presentationml/2006/ole">
             <mc:AlternateContent xmlns:mc="http://schemas.openxmlformats.org/markup-compatibility/2006">
               <mc:Choice xmlns:v="urn:schemas-microsoft-com:vml" Requires="v">
-                <p:oleObj spid="_x0000_s2050" name="Equation" r:id="rId7" imgW="2501900" imgH="342900" progId="Equation.DSMT4">
+                <p:oleObj spid="_x0000_s2052" name="Equation" r:id="rId7" imgW="2501900" imgH="342900" progId="Equation.DSMT4">
                   <p:embed/>
                 </p:oleObj>
               </mc:Choice>
@@ -10099,7 +10088,7 @@
           <a:graphicData uri="http://schemas.openxmlformats.org/presentationml/2006/ole">
             <mc:AlternateContent xmlns:mc="http://schemas.openxmlformats.org/markup-compatibility/2006">
               <mc:Choice xmlns:v="urn:schemas-microsoft-com:vml" Requires="v">
-                <p:oleObj spid="_x0000_s3074" name="Equation" r:id="rId5" imgW="2412720" imgH="342720" progId="Equation.DSMT4">
+                <p:oleObj spid="_x0000_s3076" name="Equation" r:id="rId5" imgW="2412720" imgH="342720" progId="Equation.DSMT4">
                   <p:embed/>
                 </p:oleObj>
               </mc:Choice>

--- a/.gitbook/assets/chapter-04-2-kor.pptx
+++ b/.gitbook/assets/chapter-04-2-kor.pptx
@@ -196,7 +196,7 @@
 <file path=ppt/revisionInfo.xml><?xml version="1.0" encoding="utf-8"?>
 <p1510:revInfo xmlns:a="http://schemas.openxmlformats.org/drawingml/2006/main" xmlns:r="http://schemas.openxmlformats.org/officeDocument/2006/relationships" xmlns:p1510="http://schemas.microsoft.com/office/powerpoint/2015/10/main">
   <p1510:revLst>
-    <p1510:client id="{A1D61FF2-725A-4D43-9987-2CBDFC30122F}" v="17" dt="2020-01-07T23:41:34.018"/>
+    <p1510:client id="{A1D61FF2-725A-4D43-9987-2CBDFC30122F}" v="16" dt="2020-01-07T23:35:39.395"/>
   </p1510:revLst>
 </p1510:revInfo>
 </file>
@@ -206,7 +206,7 @@
   <pc:docChgLst>
     <pc:chgData name=" " userId="1decf387-3a62-48e1-8264-95221a86067c" providerId="ADAL" clId="{A1D61FF2-725A-4D43-9987-2CBDFC30122F}"/>
     <pc:docChg chg="custSel delSld modSld">
-      <pc:chgData name=" " userId="1decf387-3a62-48e1-8264-95221a86067c" providerId="ADAL" clId="{A1D61FF2-725A-4D43-9987-2CBDFC30122F}" dt="2020-01-07T23:41:34.018" v="97"/>
+      <pc:chgData name=" " userId="1decf387-3a62-48e1-8264-95221a86067c" providerId="ADAL" clId="{A1D61FF2-725A-4D43-9987-2CBDFC30122F}" dt="2020-01-07T23:38:27.235" v="93" actId="6549"/>
       <pc:docMkLst>
         <pc:docMk/>
       </pc:docMkLst>
@@ -234,7 +234,7 @@
         </pc:spChg>
       </pc:sldChg>
       <pc:sldChg chg="modSp">
-        <pc:chgData name=" " userId="1decf387-3a62-48e1-8264-95221a86067c" providerId="ADAL" clId="{A1D61FF2-725A-4D43-9987-2CBDFC30122F}" dt="2020-01-07T23:41:34.018" v="97"/>
+        <pc:chgData name=" " userId="1decf387-3a62-48e1-8264-95221a86067c" providerId="ADAL" clId="{A1D61FF2-725A-4D43-9987-2CBDFC30122F}" dt="2020-01-07T23:37:56.133" v="79" actId="20577"/>
         <pc:sldMkLst>
           <pc:docMk/>
           <pc:sldMk cId="3079682105" sldId="345"/>
@@ -245,14 +245,6 @@
             <pc:docMk/>
             <pc:sldMk cId="3079682105" sldId="345"/>
             <ac:spMk id="4" creationId="{00000000-0000-0000-0000-000000000000}"/>
-          </ac:spMkLst>
-        </pc:spChg>
-        <pc:spChg chg="mod">
-          <ac:chgData name=" " userId="1decf387-3a62-48e1-8264-95221a86067c" providerId="ADAL" clId="{A1D61FF2-725A-4D43-9987-2CBDFC30122F}" dt="2020-01-07T23:41:34.018" v="97"/>
-          <ac:spMkLst>
-            <pc:docMk/>
-            <pc:sldMk cId="3079682105" sldId="345"/>
-            <ac:spMk id="4098" creationId="{00000000-0000-0000-0000-000000000000}"/>
           </ac:spMkLst>
         </pc:spChg>
       </pc:sldChg>
@@ -813,7 +805,7 @@
               <a:pPr>
                 <a:defRPr/>
               </a:pPr>
-              <a:t>2020-01-11</a:t>
+              <a:t>2020-01-08</a:t>
             </a:fld>
             <a:endParaRPr lang="ko-KR" altLang="en-US"/>
           </a:p>
@@ -1270,6 +1262,36 @@
           </a:p>
         </p:txBody>
       </p:sp>
+      <p:pic>
+        <p:nvPicPr>
+          <p:cNvPr id="8" name="그림 7"/>
+          <p:cNvPicPr>
+            <a:picLocks noChangeAspect="1"/>
+          </p:cNvPicPr>
+          <p:nvPr userDrawn="1"/>
+        </p:nvPicPr>
+        <p:blipFill>
+          <a:blip r:embed="rId2" cstate="print">
+            <a:extLst>
+              <a:ext uri="{28A0092B-C50C-407E-A947-70E740481C1C}">
+                <a14:useLocalDpi xmlns:a14="http://schemas.microsoft.com/office/drawing/2010/main" val="0"/>
+              </a:ext>
+            </a:extLst>
+          </a:blip>
+          <a:stretch>
+            <a:fillRect/>
+          </a:stretch>
+        </p:blipFill>
+        <p:spPr>
+          <a:xfrm>
+            <a:off x="-108520" y="143635"/>
+            <a:ext cx="2255525" cy="1146050"/>
+          </a:xfrm>
+          <a:prstGeom prst="rect">
+            <a:avLst/>
+          </a:prstGeom>
+        </p:spPr>
+      </p:pic>
       <p:sp>
         <p:nvSpPr>
           <p:cNvPr id="71" name="정오각형 70"/>
@@ -2039,7 +2061,7 @@
               <a:pPr>
                 <a:defRPr/>
               </a:pPr>
-              <a:t>Saturday, January 11, 2020</a:t>
+              <a:t>Wednesday, January 8, 2020</a:t>
             </a:fld>
             <a:endParaRPr lang="en-US" dirty="0"/>
           </a:p>
@@ -2232,7 +2254,7 @@
               <a:pPr>
                 <a:defRPr/>
               </a:pPr>
-              <a:t>Saturday, January 11, 2020</a:t>
+              <a:t>Wednesday, January 8, 2020</a:t>
             </a:fld>
             <a:endParaRPr lang="en-US"/>
           </a:p>
@@ -2342,7 +2364,7 @@
               <a:pPr>
                 <a:defRPr/>
               </a:pPr>
-              <a:t>Saturday, January 11, 2020</a:t>
+              <a:t>Wednesday, January 8, 2020</a:t>
             </a:fld>
             <a:endParaRPr lang="en-US" dirty="0"/>
           </a:p>
@@ -2702,7 +2724,7 @@
               <a:pPr>
                 <a:defRPr/>
               </a:pPr>
-              <a:t>Saturday, January 11, 2020</a:t>
+              <a:t>Wednesday, January 8, 2020</a:t>
             </a:fld>
             <a:endParaRPr lang="en-US"/>
           </a:p>
@@ -3002,7 +3024,7 @@
               <a:pPr>
                 <a:defRPr/>
               </a:pPr>
-              <a:t>Saturday, January 11, 2020</a:t>
+              <a:t>Wednesday, January 8, 2020</a:t>
             </a:fld>
             <a:endParaRPr lang="en-US"/>
           </a:p>
@@ -3436,7 +3458,7 @@
               <a:pPr>
                 <a:defRPr/>
               </a:pPr>
-              <a:t>Saturday, January 11, 2020</a:t>
+              <a:t>Wednesday, January 8, 2020</a:t>
             </a:fld>
             <a:endParaRPr lang="en-US"/>
           </a:p>
@@ -3568,7 +3590,7 @@
               <a:pPr>
                 <a:defRPr/>
               </a:pPr>
-              <a:t>Saturday, January 11, 2020</a:t>
+              <a:t>Wednesday, January 8, 2020</a:t>
             </a:fld>
             <a:endParaRPr lang="en-US" dirty="0"/>
           </a:p>
@@ -3678,7 +3700,7 @@
               <a:pPr>
                 <a:defRPr/>
               </a:pPr>
-              <a:t>Saturday, January 11, 2020</a:t>
+              <a:t>Wednesday, January 8, 2020</a:t>
             </a:fld>
             <a:endParaRPr lang="en-US"/>
           </a:p>
@@ -3731,7 +3753,7 @@
               </a:pPr>
               <a:t>‹#›</a:t>
             </a:fld>
-            <a:endParaRPr lang="en-US" dirty="0"/>
+            <a:endParaRPr lang="en-US"/>
           </a:p>
         </p:txBody>
       </p:sp>
@@ -3968,7 +3990,7 @@
               <a:pPr>
                 <a:defRPr/>
               </a:pPr>
-              <a:t>Saturday, January 11, 2020</a:t>
+              <a:t>Wednesday, January 8, 2020</a:t>
             </a:fld>
             <a:endParaRPr lang="en-US" dirty="0"/>
           </a:p>
@@ -4235,7 +4257,7 @@
               <a:pPr>
                 <a:defRPr/>
               </a:pPr>
-              <a:t>Saturday, January 11, 2020</a:t>
+              <a:t>Wednesday, January 8, 2020</a:t>
             </a:fld>
             <a:endParaRPr lang="en-US"/>
           </a:p>
@@ -4528,7 +4550,7 @@
               <a:pPr>
                 <a:defRPr/>
               </a:pPr>
-              <a:t>Saturday, January 11, 2020</a:t>
+              <a:t>Wednesday, January 8, 2020</a:t>
             </a:fld>
             <a:endParaRPr lang="en-US" dirty="0"/>
           </a:p>
@@ -4677,8 +4699,8 @@
         </p:nvSpPr>
         <p:spPr bwMode="auto">
           <a:xfrm>
-            <a:off x="8365970" y="6452368"/>
-            <a:ext cx="575799" cy="253916"/>
+            <a:off x="8397425" y="6489340"/>
+            <a:ext cx="569387" cy="261610"/>
           </a:xfrm>
           <a:prstGeom prst="rect">
             <a:avLst/>
@@ -4823,8 +4845,7 @@
               <a:defRPr/>
             </a:pPr>
             <a:fld id="{F60B237E-1E27-414E-981E-8B20D038C067}" type="slidenum">
-              <a:rPr lang="en-US" altLang="ko-KR" sz="1050" b="1" smtClean="0">
-                <a:effectLst/>
+              <a:rPr lang="en-US" altLang="ko-KR" sz="1050" smtClean="0">
                 <a:latin typeface="+mn-ea"/>
                 <a:ea typeface="+mn-ea"/>
               </a:rPr>
@@ -4834,18 +4855,12 @@
               <a:t>‹#›</a:t>
             </a:fld>
             <a:r>
-              <a:rPr lang="en-US" altLang="ko-KR" sz="1050" b="1" dirty="0" smtClean="0">
-                <a:effectLst/>
+              <a:rPr lang="en-US" altLang="ko-KR" sz="1050" dirty="0">
                 <a:latin typeface="+mn-ea"/>
                 <a:ea typeface="+mn-ea"/>
               </a:rPr>
-              <a:t>/11</a:t>
-            </a:r>
-            <a:endParaRPr lang="en-US" altLang="ko-KR" sz="1050" b="1" dirty="0">
-              <a:effectLst/>
-              <a:latin typeface="+mn-ea"/>
-              <a:ea typeface="+mn-ea"/>
-            </a:endParaRPr>
+              <a:t>/31</a:t>
+            </a:r>
           </a:p>
         </p:txBody>
       </p:sp>
@@ -5174,7 +5189,7 @@
             </a:r>
             <a:r>
               <a:rPr lang="ko-KR" altLang="en-US" dirty="0" err="1"/>
-              <a:t>기대값</a:t>
+              <a:t>기댓값</a:t>
             </a:r>
             <a:endParaRPr lang="ko-KR" altLang="en-US" dirty="0"/>
           </a:p>
@@ -6213,7 +6228,7 @@
           <a:graphicData uri="http://schemas.openxmlformats.org/presentationml/2006/ole">
             <mc:AlternateContent xmlns:mc="http://schemas.openxmlformats.org/markup-compatibility/2006">
               <mc:Choice xmlns:v="urn:schemas-microsoft-com:vml" Requires="v">
-                <p:oleObj spid="_x0000_s4100" name="Equation" r:id="rId5" imgW="2882880" imgH="406080" progId="Equation.DSMT4">
+                <p:oleObj spid="_x0000_s4098" name="Equation" r:id="rId5" imgW="2882880" imgH="406080" progId="Equation.DSMT4">
                   <p:embed/>
                 </p:oleObj>
               </mc:Choice>
@@ -6363,10 +6378,6 @@
               <a:rPr kumimoji="0" lang="ko-KR" altLang="en-US" dirty="0"/>
               <a:t>장</a:t>
             </a:r>
-            <a:r>
-              <a:rPr kumimoji="0" lang="en-US" altLang="ko-KR" dirty="0"/>
-              <a:t/>
-            </a:r>
             <a:br>
               <a:rPr kumimoji="0" lang="en-US" altLang="ko-KR" dirty="0"/>
             </a:br>
@@ -7527,7 +7538,7 @@
           <a:graphicData uri="http://schemas.openxmlformats.org/presentationml/2006/ole">
             <mc:AlternateContent xmlns:mc="http://schemas.openxmlformats.org/markup-compatibility/2006">
               <mc:Choice xmlns:v="urn:schemas-microsoft-com:vml" Requires="v">
-                <p:oleObj spid="_x0000_s1028" name="Equation" r:id="rId6" imgW="2590560" imgH="342720" progId="Equation.DSMT4">
+                <p:oleObj spid="_x0000_s1026" name="Equation" r:id="rId6" imgW="2590560" imgH="342720" progId="Equation.DSMT4">
                   <p:embed/>
                 </p:oleObj>
               </mc:Choice>
@@ -8257,7 +8268,7 @@
           <a:graphicData uri="http://schemas.openxmlformats.org/presentationml/2006/ole">
             <mc:AlternateContent xmlns:mc="http://schemas.openxmlformats.org/markup-compatibility/2006">
               <mc:Choice xmlns:v="urn:schemas-microsoft-com:vml" Requires="v">
-                <p:oleObj spid="_x0000_s2052" name="Equation" r:id="rId7" imgW="2501900" imgH="342900" progId="Equation.DSMT4">
+                <p:oleObj spid="_x0000_s2050" name="Equation" r:id="rId7" imgW="2501900" imgH="342900" progId="Equation.DSMT4">
                   <p:embed/>
                 </p:oleObj>
               </mc:Choice>
@@ -10088,7 +10099,7 @@
           <a:graphicData uri="http://schemas.openxmlformats.org/presentationml/2006/ole">
             <mc:AlternateContent xmlns:mc="http://schemas.openxmlformats.org/markup-compatibility/2006">
               <mc:Choice xmlns:v="urn:schemas-microsoft-com:vml" Requires="v">
-                <p:oleObj spid="_x0000_s3076" name="Equation" r:id="rId5" imgW="2412720" imgH="342720" progId="Equation.DSMT4">
+                <p:oleObj spid="_x0000_s3074" name="Equation" r:id="rId5" imgW="2412720" imgH="342720" progId="Equation.DSMT4">
                   <p:embed/>
                 </p:oleObj>
               </mc:Choice>
